--- a/reports/presentation input salar changes Jan.pptx
+++ b/reports/presentation input salar changes Jan.pptx
@@ -258,7 +258,7 @@
           <a:p>
             <a:fld id="{69429407-18D6-4C3E-AB7D-24EBE31151B0}" type="datetimeFigureOut">
               <a:rPr lang="de-DE" smtClean="0"/>
-              <a:t>21.01.2020</a:t>
+              <a:t>24.01.2020</a:t>
             </a:fld>
             <a:endParaRPr lang="de-DE"/>
           </a:p>
@@ -300,7 +300,7 @@
           <a:p>
             <a:fld id="{8C4DBA3F-B391-4629-989C-BD13335FBCD6}" type="slidenum">
               <a:rPr lang="de-DE" smtClean="0"/>
-              <a:t>‹Nr.›</a:t>
+              <a:t>‹#›</a:t>
             </a:fld>
             <a:endParaRPr lang="de-DE"/>
           </a:p>
@@ -428,7 +428,7 @@
           <a:p>
             <a:fld id="{69429407-18D6-4C3E-AB7D-24EBE31151B0}" type="datetimeFigureOut">
               <a:rPr lang="de-DE" smtClean="0"/>
-              <a:t>21.01.2020</a:t>
+              <a:t>24.01.2020</a:t>
             </a:fld>
             <a:endParaRPr lang="de-DE"/>
           </a:p>
@@ -470,7 +470,7 @@
           <a:p>
             <a:fld id="{8C4DBA3F-B391-4629-989C-BD13335FBCD6}" type="slidenum">
               <a:rPr lang="de-DE" smtClean="0"/>
-              <a:t>‹Nr.›</a:t>
+              <a:t>‹#›</a:t>
             </a:fld>
             <a:endParaRPr lang="de-DE"/>
           </a:p>
@@ -608,7 +608,7 @@
           <a:p>
             <a:fld id="{69429407-18D6-4C3E-AB7D-24EBE31151B0}" type="datetimeFigureOut">
               <a:rPr lang="de-DE" smtClean="0"/>
-              <a:t>21.01.2020</a:t>
+              <a:t>24.01.2020</a:t>
             </a:fld>
             <a:endParaRPr lang="de-DE"/>
           </a:p>
@@ -650,7 +650,7 @@
           <a:p>
             <a:fld id="{8C4DBA3F-B391-4629-989C-BD13335FBCD6}" type="slidenum">
               <a:rPr lang="de-DE" smtClean="0"/>
-              <a:t>‹Nr.›</a:t>
+              <a:t>‹#›</a:t>
             </a:fld>
             <a:endParaRPr lang="de-DE"/>
           </a:p>
@@ -778,7 +778,7 @@
           <a:p>
             <a:fld id="{69429407-18D6-4C3E-AB7D-24EBE31151B0}" type="datetimeFigureOut">
               <a:rPr lang="de-DE" smtClean="0"/>
-              <a:t>21.01.2020</a:t>
+              <a:t>24.01.2020</a:t>
             </a:fld>
             <a:endParaRPr lang="de-DE"/>
           </a:p>
@@ -820,7 +820,7 @@
           <a:p>
             <a:fld id="{8C4DBA3F-B391-4629-989C-BD13335FBCD6}" type="slidenum">
               <a:rPr lang="de-DE" smtClean="0"/>
-              <a:t>‹Nr.›</a:t>
+              <a:t>‹#›</a:t>
             </a:fld>
             <a:endParaRPr lang="de-DE"/>
           </a:p>
@@ -1024,7 +1024,7 @@
           <a:p>
             <a:fld id="{69429407-18D6-4C3E-AB7D-24EBE31151B0}" type="datetimeFigureOut">
               <a:rPr lang="de-DE" smtClean="0"/>
-              <a:t>21.01.2020</a:t>
+              <a:t>24.01.2020</a:t>
             </a:fld>
             <a:endParaRPr lang="de-DE"/>
           </a:p>
@@ -1066,7 +1066,7 @@
           <a:p>
             <a:fld id="{8C4DBA3F-B391-4629-989C-BD13335FBCD6}" type="slidenum">
               <a:rPr lang="de-DE" smtClean="0"/>
-              <a:t>‹Nr.›</a:t>
+              <a:t>‹#›</a:t>
             </a:fld>
             <a:endParaRPr lang="de-DE"/>
           </a:p>
@@ -1256,7 +1256,7 @@
           <a:p>
             <a:fld id="{69429407-18D6-4C3E-AB7D-24EBE31151B0}" type="datetimeFigureOut">
               <a:rPr lang="de-DE" smtClean="0"/>
-              <a:t>21.01.2020</a:t>
+              <a:t>24.01.2020</a:t>
             </a:fld>
             <a:endParaRPr lang="de-DE"/>
           </a:p>
@@ -1298,7 +1298,7 @@
           <a:p>
             <a:fld id="{8C4DBA3F-B391-4629-989C-BD13335FBCD6}" type="slidenum">
               <a:rPr lang="de-DE" smtClean="0"/>
-              <a:t>‹Nr.›</a:t>
+              <a:t>‹#›</a:t>
             </a:fld>
             <a:endParaRPr lang="de-DE"/>
           </a:p>
@@ -1623,7 +1623,7 @@
           <a:p>
             <a:fld id="{69429407-18D6-4C3E-AB7D-24EBE31151B0}" type="datetimeFigureOut">
               <a:rPr lang="de-DE" smtClean="0"/>
-              <a:t>21.01.2020</a:t>
+              <a:t>24.01.2020</a:t>
             </a:fld>
             <a:endParaRPr lang="de-DE"/>
           </a:p>
@@ -1665,7 +1665,7 @@
           <a:p>
             <a:fld id="{8C4DBA3F-B391-4629-989C-BD13335FBCD6}" type="slidenum">
               <a:rPr lang="de-DE" smtClean="0"/>
-              <a:t>‹Nr.›</a:t>
+              <a:t>‹#›</a:t>
             </a:fld>
             <a:endParaRPr lang="de-DE"/>
           </a:p>
@@ -1741,7 +1741,7 @@
           <a:p>
             <a:fld id="{69429407-18D6-4C3E-AB7D-24EBE31151B0}" type="datetimeFigureOut">
               <a:rPr lang="de-DE" smtClean="0"/>
-              <a:t>21.01.2020</a:t>
+              <a:t>24.01.2020</a:t>
             </a:fld>
             <a:endParaRPr lang="de-DE"/>
           </a:p>
@@ -1783,7 +1783,7 @@
           <a:p>
             <a:fld id="{8C4DBA3F-B391-4629-989C-BD13335FBCD6}" type="slidenum">
               <a:rPr lang="de-DE" smtClean="0"/>
-              <a:t>‹Nr.›</a:t>
+              <a:t>‹#›</a:t>
             </a:fld>
             <a:endParaRPr lang="de-DE"/>
           </a:p>
@@ -1836,7 +1836,7 @@
           <a:p>
             <a:fld id="{69429407-18D6-4C3E-AB7D-24EBE31151B0}" type="datetimeFigureOut">
               <a:rPr lang="de-DE" smtClean="0"/>
-              <a:t>21.01.2020</a:t>
+              <a:t>24.01.2020</a:t>
             </a:fld>
             <a:endParaRPr lang="de-DE"/>
           </a:p>
@@ -1878,7 +1878,7 @@
           <a:p>
             <a:fld id="{8C4DBA3F-B391-4629-989C-BD13335FBCD6}" type="slidenum">
               <a:rPr lang="de-DE" smtClean="0"/>
-              <a:t>‹Nr.›</a:t>
+              <a:t>‹#›</a:t>
             </a:fld>
             <a:endParaRPr lang="de-DE"/>
           </a:p>
@@ -2113,7 +2113,7 @@
           <a:p>
             <a:fld id="{69429407-18D6-4C3E-AB7D-24EBE31151B0}" type="datetimeFigureOut">
               <a:rPr lang="de-DE" smtClean="0"/>
-              <a:t>21.01.2020</a:t>
+              <a:t>24.01.2020</a:t>
             </a:fld>
             <a:endParaRPr lang="de-DE"/>
           </a:p>
@@ -2155,7 +2155,7 @@
           <a:p>
             <a:fld id="{8C4DBA3F-B391-4629-989C-BD13335FBCD6}" type="slidenum">
               <a:rPr lang="de-DE" smtClean="0"/>
-              <a:t>‹Nr.›</a:t>
+              <a:t>‹#›</a:t>
             </a:fld>
             <a:endParaRPr lang="de-DE"/>
           </a:p>
@@ -2366,7 +2366,7 @@
           <a:p>
             <a:fld id="{69429407-18D6-4C3E-AB7D-24EBE31151B0}" type="datetimeFigureOut">
               <a:rPr lang="de-DE" smtClean="0"/>
-              <a:t>21.01.2020</a:t>
+              <a:t>24.01.2020</a:t>
             </a:fld>
             <a:endParaRPr lang="de-DE"/>
           </a:p>
@@ -2408,7 +2408,7 @@
           <a:p>
             <a:fld id="{8C4DBA3F-B391-4629-989C-BD13335FBCD6}" type="slidenum">
               <a:rPr lang="de-DE" smtClean="0"/>
-              <a:t>‹Nr.›</a:t>
+              <a:t>‹#›</a:t>
             </a:fld>
             <a:endParaRPr lang="de-DE"/>
           </a:p>
@@ -2579,7 +2579,7 @@
           <a:p>
             <a:fld id="{69429407-18D6-4C3E-AB7D-24EBE31151B0}" type="datetimeFigureOut">
               <a:rPr lang="de-DE" smtClean="0"/>
-              <a:t>21.01.2020</a:t>
+              <a:t>24.01.2020</a:t>
             </a:fld>
             <a:endParaRPr lang="de-DE"/>
           </a:p>
@@ -2657,7 +2657,7 @@
           <a:p>
             <a:fld id="{8C4DBA3F-B391-4629-989C-BD13335FBCD6}" type="slidenum">
               <a:rPr lang="de-DE" smtClean="0"/>
-              <a:t>‹Nr.›</a:t>
+              <a:t>‹#›</a:t>
             </a:fld>
             <a:endParaRPr lang="de-DE"/>
           </a:p>
@@ -6282,9 +6282,10 @@
           <a:lstStyle/>
           <a:p>
             <a:r>
-              <a:rPr lang="de-DE"/>
-              <a:t>Beschreibung der Daten / des Anwendungsfalls</a:t>
-            </a:r>
+              <a:rPr lang="de-DE" dirty="0" smtClean="0"/>
+              <a:t>Intro</a:t>
+            </a:r>
+            <a:endParaRPr lang="de-DE" dirty="0"/>
           </a:p>
         </p:txBody>
       </p:sp>
@@ -7504,6 +7505,10 @@
               <a:r>
                 <a:rPr lang="de-DE" sz="1400" err="1"/>
                 <a:t>Full</a:t>
+              </a:r>
+              <a:r>
+                <a:rPr lang="de-DE" sz="1400"/>
+                <a:t/>
               </a:r>
               <a:br>
                 <a:rPr lang="de-DE" sz="1400"/>
@@ -7563,6 +7568,10 @@
               <a:r>
                 <a:rPr lang="de-DE" sz="1400" err="1"/>
                 <a:t>Scaled</a:t>
+              </a:r>
+              <a:r>
+                <a:rPr lang="de-DE" sz="1400"/>
+                <a:t/>
               </a:r>
               <a:br>
                 <a:rPr lang="de-DE" sz="1400"/>
